--- a/icons/NHERI Application Icons.pptx
+++ b/icons/NHERI Application Icons.pptx
@@ -13,7 +13,10 @@
     <p:sldId id="262" r:id="rId7"/>
     <p:sldId id="261" r:id="rId8"/>
     <p:sldId id="263" r:id="rId9"/>
-    <p:sldId id="264" r:id="rId10"/>
+    <p:sldId id="265" r:id="rId10"/>
+    <p:sldId id="266" r:id="rId11"/>
+    <p:sldId id="267" r:id="rId12"/>
+    <p:sldId id="264" r:id="rId13"/>
   </p:sldIdLst>
   <p:sldSz cx="12192000" cy="6858000"/>
   <p:notesSz cx="6858000" cy="9144000"/>
@@ -112,6 +115,11 @@
       </a:defRPr>
     </a:lvl9pPr>
   </p:defaultTextStyle>
+  <p:extLst>
+    <p:ext uri="{EFAFB233-063F-42B5-8137-9DF3F51BA10A}">
+      <p15:sldGuideLst xmlns:p15="http://schemas.microsoft.com/office/powerpoint/2012/main"/>
+    </p:ext>
+  </p:extLst>
 </p:presentation>
 </file>
 
@@ -262,7 +270,7 @@
           <a:p>
             <a:fld id="{EE372090-440C-9E4E-9049-7FFEEAC6D18E}" type="datetimeFigureOut">
               <a:rPr lang="en-US" smtClean="0"/>
-              <a:t>5/11/18</a:t>
+              <a:t>5/17/18</a:t>
             </a:fld>
             <a:endParaRPr lang="en-US"/>
           </a:p>
@@ -460,7 +468,7 @@
           <a:p>
             <a:fld id="{EE372090-440C-9E4E-9049-7FFEEAC6D18E}" type="datetimeFigureOut">
               <a:rPr lang="en-US" smtClean="0"/>
-              <a:t>5/11/18</a:t>
+              <a:t>5/17/18</a:t>
             </a:fld>
             <a:endParaRPr lang="en-US"/>
           </a:p>
@@ -668,7 +676,7 @@
           <a:p>
             <a:fld id="{EE372090-440C-9E4E-9049-7FFEEAC6D18E}" type="datetimeFigureOut">
               <a:rPr lang="en-US" smtClean="0"/>
-              <a:t>5/11/18</a:t>
+              <a:t>5/17/18</a:t>
             </a:fld>
             <a:endParaRPr lang="en-US"/>
           </a:p>
@@ -866,7 +874,7 @@
           <a:p>
             <a:fld id="{EE372090-440C-9E4E-9049-7FFEEAC6D18E}" type="datetimeFigureOut">
               <a:rPr lang="en-US" smtClean="0"/>
-              <a:t>5/11/18</a:t>
+              <a:t>5/17/18</a:t>
             </a:fld>
             <a:endParaRPr lang="en-US"/>
           </a:p>
@@ -1141,7 +1149,7 @@
           <a:p>
             <a:fld id="{EE372090-440C-9E4E-9049-7FFEEAC6D18E}" type="datetimeFigureOut">
               <a:rPr lang="en-US" smtClean="0"/>
-              <a:t>5/11/18</a:t>
+              <a:t>5/17/18</a:t>
             </a:fld>
             <a:endParaRPr lang="en-US"/>
           </a:p>
@@ -1406,7 +1414,7 @@
           <a:p>
             <a:fld id="{EE372090-440C-9E4E-9049-7FFEEAC6D18E}" type="datetimeFigureOut">
               <a:rPr lang="en-US" smtClean="0"/>
-              <a:t>5/11/18</a:t>
+              <a:t>5/17/18</a:t>
             </a:fld>
             <a:endParaRPr lang="en-US"/>
           </a:p>
@@ -1818,7 +1826,7 @@
           <a:p>
             <a:fld id="{EE372090-440C-9E4E-9049-7FFEEAC6D18E}" type="datetimeFigureOut">
               <a:rPr lang="en-US" smtClean="0"/>
-              <a:t>5/11/18</a:t>
+              <a:t>5/17/18</a:t>
             </a:fld>
             <a:endParaRPr lang="en-US"/>
           </a:p>
@@ -1959,7 +1967,7 @@
           <a:p>
             <a:fld id="{EE372090-440C-9E4E-9049-7FFEEAC6D18E}" type="datetimeFigureOut">
               <a:rPr lang="en-US" smtClean="0"/>
-              <a:t>5/11/18</a:t>
+              <a:t>5/17/18</a:t>
             </a:fld>
             <a:endParaRPr lang="en-US"/>
           </a:p>
@@ -2072,7 +2080,7 @@
           <a:p>
             <a:fld id="{EE372090-440C-9E4E-9049-7FFEEAC6D18E}" type="datetimeFigureOut">
               <a:rPr lang="en-US" smtClean="0"/>
-              <a:t>5/11/18</a:t>
+              <a:t>5/17/18</a:t>
             </a:fld>
             <a:endParaRPr lang="en-US"/>
           </a:p>
@@ -2383,7 +2391,7 @@
           <a:p>
             <a:fld id="{EE372090-440C-9E4E-9049-7FFEEAC6D18E}" type="datetimeFigureOut">
               <a:rPr lang="en-US" smtClean="0"/>
-              <a:t>5/11/18</a:t>
+              <a:t>5/17/18</a:t>
             </a:fld>
             <a:endParaRPr lang="en-US"/>
           </a:p>
@@ -2671,7 +2679,7 @@
           <a:p>
             <a:fld id="{EE372090-440C-9E4E-9049-7FFEEAC6D18E}" type="datetimeFigureOut">
               <a:rPr lang="en-US" smtClean="0"/>
-              <a:t>5/11/18</a:t>
+              <a:t>5/17/18</a:t>
             </a:fld>
             <a:endParaRPr lang="en-US"/>
           </a:p>
@@ -2912,7 +2920,7 @@
           <a:p>
             <a:fld id="{EE372090-440C-9E4E-9049-7FFEEAC6D18E}" type="datetimeFigureOut">
               <a:rPr lang="en-US" smtClean="0"/>
-              <a:t>5/11/18</a:t>
+              <a:t>5/17/18</a:t>
             </a:fld>
             <a:endParaRPr lang="en-US"/>
           </a:p>
@@ -3415,6 +3423,471 @@
 </p:sld>
 </file>
 
+<file path=ppt/slides/slide10.xml><?xml version="1.0" encoding="utf-8"?>
+<p:sld xmlns:a="http://schemas.openxmlformats.org/drawingml/2006/main" xmlns:r="http://schemas.openxmlformats.org/officeDocument/2006/relationships" xmlns:p="http://schemas.openxmlformats.org/presentationml/2006/main">
+  <p:cSld>
+    <p:spTree>
+      <p:nvGrpSpPr>
+        <p:cNvPr id="1" name=""/>
+        <p:cNvGrpSpPr/>
+        <p:nvPr/>
+      </p:nvGrpSpPr>
+      <p:grpSpPr>
+        <a:xfrm>
+          <a:off x="0" y="0"/>
+          <a:ext cx="0" cy="0"/>
+          <a:chOff x="0" y="0"/>
+          <a:chExt cx="0" cy="0"/>
+        </a:xfrm>
+      </p:grpSpPr>
+      <p:sp>
+        <p:nvSpPr>
+          <p:cNvPr id="2" name="Title 1">
+            <a:extLst>
+              <a:ext uri="{FF2B5EF4-FFF2-40B4-BE49-F238E27FC236}">
+                <a16:creationId xmlns:a16="http://schemas.microsoft.com/office/drawing/2014/main" id="{E95E3C96-6AAD-5347-A26F-6660F4BE0C88}"/>
+              </a:ext>
+            </a:extLst>
+          </p:cNvPr>
+          <p:cNvSpPr>
+            <a:spLocks noGrp="1"/>
+          </p:cNvSpPr>
+          <p:nvPr>
+            <p:ph type="title"/>
+          </p:nvPr>
+        </p:nvSpPr>
+        <p:spPr/>
+        <p:txBody>
+          <a:bodyPr/>
+          <a:lstStyle/>
+          <a:p>
+            <a:endParaRPr lang="en-US"/>
+          </a:p>
+        </p:txBody>
+      </p:sp>
+      <p:pic>
+        <p:nvPicPr>
+          <p:cNvPr id="5" name="Content Placeholder 4">
+            <a:extLst>
+              <a:ext uri="{FF2B5EF4-FFF2-40B4-BE49-F238E27FC236}">
+                <a16:creationId xmlns:a16="http://schemas.microsoft.com/office/drawing/2014/main" id="{74E84598-9FD1-EC45-9FA8-F5E359296236}"/>
+              </a:ext>
+            </a:extLst>
+          </p:cNvPr>
+          <p:cNvPicPr>
+            <a:picLocks noGrp="1" noChangeAspect="1"/>
+          </p:cNvPicPr>
+          <p:nvPr>
+            <p:ph idx="1"/>
+          </p:nvPr>
+        </p:nvPicPr>
+        <p:blipFill>
+          <a:blip r:embed="rId2"/>
+          <a:stretch>
+            <a:fillRect/>
+          </a:stretch>
+        </p:blipFill>
+        <p:spPr>
+          <a:xfrm>
+            <a:off x="3920331" y="1825625"/>
+            <a:ext cx="4351338" cy="4351338"/>
+          </a:xfrm>
+        </p:spPr>
+      </p:pic>
+    </p:spTree>
+    <p:extLst>
+      <p:ext uri="{BB962C8B-B14F-4D97-AF65-F5344CB8AC3E}">
+        <p14:creationId xmlns:p14="http://schemas.microsoft.com/office/powerpoint/2010/main" val="2953328866"/>
+      </p:ext>
+    </p:extLst>
+  </p:cSld>
+  <p:clrMapOvr>
+    <a:masterClrMapping/>
+  </p:clrMapOvr>
+</p:sld>
+</file>
+
+<file path=ppt/slides/slide11.xml><?xml version="1.0" encoding="utf-8"?>
+<p:sld xmlns:a="http://schemas.openxmlformats.org/drawingml/2006/main" xmlns:r="http://schemas.openxmlformats.org/officeDocument/2006/relationships" xmlns:p="http://schemas.openxmlformats.org/presentationml/2006/main">
+  <p:cSld>
+    <p:spTree>
+      <p:nvGrpSpPr>
+        <p:cNvPr id="1" name=""/>
+        <p:cNvGrpSpPr/>
+        <p:nvPr/>
+      </p:nvGrpSpPr>
+      <p:grpSpPr>
+        <a:xfrm>
+          <a:off x="0" y="0"/>
+          <a:ext cx="0" cy="0"/>
+          <a:chOff x="0" y="0"/>
+          <a:chExt cx="0" cy="0"/>
+        </a:xfrm>
+      </p:grpSpPr>
+      <p:sp>
+        <p:nvSpPr>
+          <p:cNvPr id="2" name="Title 1">
+            <a:extLst>
+              <a:ext uri="{FF2B5EF4-FFF2-40B4-BE49-F238E27FC236}">
+                <a16:creationId xmlns:a16="http://schemas.microsoft.com/office/drawing/2014/main" id="{C5060FA0-819B-4144-8245-181A0E3D91CF}"/>
+              </a:ext>
+            </a:extLst>
+          </p:cNvPr>
+          <p:cNvSpPr>
+            <a:spLocks noGrp="1"/>
+          </p:cNvSpPr>
+          <p:nvPr>
+            <p:ph type="title"/>
+          </p:nvPr>
+        </p:nvSpPr>
+        <p:spPr/>
+        <p:txBody>
+          <a:bodyPr/>
+          <a:lstStyle/>
+          <a:p>
+            <a:endParaRPr lang="en-US"/>
+          </a:p>
+        </p:txBody>
+      </p:sp>
+      <p:pic>
+        <p:nvPicPr>
+          <p:cNvPr id="5" name="Content Placeholder 4">
+            <a:extLst>
+              <a:ext uri="{FF2B5EF4-FFF2-40B4-BE49-F238E27FC236}">
+                <a16:creationId xmlns:a16="http://schemas.microsoft.com/office/drawing/2014/main" id="{786956AA-019A-E64D-9910-E8171FD7ACF6}"/>
+              </a:ext>
+            </a:extLst>
+          </p:cNvPr>
+          <p:cNvPicPr>
+            <a:picLocks noGrp="1" noChangeAspect="1"/>
+          </p:cNvPicPr>
+          <p:nvPr>
+            <p:ph idx="1"/>
+          </p:nvPr>
+        </p:nvPicPr>
+        <p:blipFill>
+          <a:blip r:embed="rId2"/>
+          <a:stretch>
+            <a:fillRect/>
+          </a:stretch>
+        </p:blipFill>
+        <p:spPr>
+          <a:xfrm>
+            <a:off x="3920331" y="1825625"/>
+            <a:ext cx="4351338" cy="4351338"/>
+          </a:xfrm>
+        </p:spPr>
+      </p:pic>
+    </p:spTree>
+    <p:extLst>
+      <p:ext uri="{BB962C8B-B14F-4D97-AF65-F5344CB8AC3E}">
+        <p14:creationId xmlns:p14="http://schemas.microsoft.com/office/powerpoint/2010/main" val="498941752"/>
+      </p:ext>
+    </p:extLst>
+  </p:cSld>
+  <p:clrMapOvr>
+    <a:masterClrMapping/>
+  </p:clrMapOvr>
+</p:sld>
+</file>
+
+<file path=ppt/slides/slide12.xml><?xml version="1.0" encoding="utf-8"?>
+<p:sld xmlns:a="http://schemas.openxmlformats.org/drawingml/2006/main" xmlns:r="http://schemas.openxmlformats.org/officeDocument/2006/relationships" xmlns:p="http://schemas.openxmlformats.org/presentationml/2006/main">
+  <p:cSld>
+    <p:spTree>
+      <p:nvGrpSpPr>
+        <p:cNvPr id="1" name=""/>
+        <p:cNvGrpSpPr/>
+        <p:nvPr/>
+      </p:nvGrpSpPr>
+      <p:grpSpPr>
+        <a:xfrm>
+          <a:off x="0" y="0"/>
+          <a:ext cx="0" cy="0"/>
+          <a:chOff x="0" y="0"/>
+          <a:chExt cx="0" cy="0"/>
+        </a:xfrm>
+      </p:grpSpPr>
+      <p:pic>
+        <p:nvPicPr>
+          <p:cNvPr id="11" name="Picture 10">
+            <a:extLst>
+              <a:ext uri="{FF2B5EF4-FFF2-40B4-BE49-F238E27FC236}">
+                <a16:creationId xmlns:a16="http://schemas.microsoft.com/office/drawing/2014/main" id="{572DC91C-FB0B-A243-9683-FEF38BDF9679}"/>
+              </a:ext>
+            </a:extLst>
+          </p:cNvPr>
+          <p:cNvPicPr>
+            <a:picLocks noChangeAspect="1"/>
+          </p:cNvPicPr>
+          <p:nvPr/>
+        </p:nvPicPr>
+        <p:blipFill>
+          <a:blip r:embed="rId2"/>
+          <a:stretch>
+            <a:fillRect/>
+          </a:stretch>
+        </p:blipFill>
+        <p:spPr>
+          <a:xfrm>
+            <a:off x="8165834" y="4241800"/>
+            <a:ext cx="1625600" cy="1625600"/>
+          </a:xfrm>
+          <a:prstGeom prst="rect">
+            <a:avLst/>
+          </a:prstGeom>
+        </p:spPr>
+      </p:pic>
+      <p:pic>
+        <p:nvPicPr>
+          <p:cNvPr id="5" name="Content Placeholder 4">
+            <a:extLst>
+              <a:ext uri="{FF2B5EF4-FFF2-40B4-BE49-F238E27FC236}">
+                <a16:creationId xmlns:a16="http://schemas.microsoft.com/office/drawing/2014/main" id="{3B307F5A-5B35-1940-BE13-3C3D3D407286}"/>
+              </a:ext>
+            </a:extLst>
+          </p:cNvPr>
+          <p:cNvPicPr>
+            <a:picLocks noGrp="1" noChangeAspect="1"/>
+          </p:cNvPicPr>
+          <p:nvPr>
+            <p:ph idx="1"/>
+          </p:nvPr>
+        </p:nvPicPr>
+        <p:blipFill>
+          <a:blip r:embed="rId3"/>
+          <a:stretch>
+            <a:fillRect/>
+          </a:stretch>
+        </p:blipFill>
+        <p:spPr>
+          <a:xfrm>
+            <a:off x="5766574" y="4241800"/>
+            <a:ext cx="1625600" cy="1625600"/>
+          </a:xfrm>
+        </p:spPr>
+      </p:pic>
+      <p:pic>
+        <p:nvPicPr>
+          <p:cNvPr id="15" name="Picture 14">
+            <a:extLst>
+              <a:ext uri="{FF2B5EF4-FFF2-40B4-BE49-F238E27FC236}">
+                <a16:creationId xmlns:a16="http://schemas.microsoft.com/office/drawing/2014/main" id="{69ED0B2D-1A45-1846-B35D-B10A7E40C418}"/>
+              </a:ext>
+            </a:extLst>
+          </p:cNvPr>
+          <p:cNvPicPr>
+            <a:picLocks noChangeAspect="1"/>
+          </p:cNvPicPr>
+          <p:nvPr/>
+        </p:nvPicPr>
+        <p:blipFill>
+          <a:blip r:embed="rId4"/>
+          <a:stretch>
+            <a:fillRect/>
+          </a:stretch>
+        </p:blipFill>
+        <p:spPr>
+          <a:xfrm>
+            <a:off x="3367314" y="4241800"/>
+            <a:ext cx="1625600" cy="1625600"/>
+          </a:xfrm>
+          <a:prstGeom prst="rect">
+            <a:avLst/>
+          </a:prstGeom>
+        </p:spPr>
+      </p:pic>
+      <p:pic>
+        <p:nvPicPr>
+          <p:cNvPr id="13" name="Picture 12">
+            <a:extLst>
+              <a:ext uri="{FF2B5EF4-FFF2-40B4-BE49-F238E27FC236}">
+                <a16:creationId xmlns:a16="http://schemas.microsoft.com/office/drawing/2014/main" id="{7E869DAC-B3A0-224D-9B93-132930D3458F}"/>
+              </a:ext>
+            </a:extLst>
+          </p:cNvPr>
+          <p:cNvPicPr>
+            <a:picLocks noChangeAspect="1"/>
+          </p:cNvPicPr>
+          <p:nvPr/>
+        </p:nvPicPr>
+        <p:blipFill>
+          <a:blip r:embed="rId5"/>
+          <a:stretch>
+            <a:fillRect/>
+          </a:stretch>
+        </p:blipFill>
+        <p:spPr>
+          <a:xfrm>
+            <a:off x="968054" y="4241800"/>
+            <a:ext cx="1625600" cy="1625600"/>
+          </a:xfrm>
+          <a:prstGeom prst="rect">
+            <a:avLst/>
+          </a:prstGeom>
+        </p:spPr>
+      </p:pic>
+      <p:pic>
+        <p:nvPicPr>
+          <p:cNvPr id="7" name="Picture 6">
+            <a:extLst>
+              <a:ext uri="{FF2B5EF4-FFF2-40B4-BE49-F238E27FC236}">
+                <a16:creationId xmlns:a16="http://schemas.microsoft.com/office/drawing/2014/main" id="{7DFE335B-CBFF-D74B-9B9B-78EC345352F8}"/>
+              </a:ext>
+            </a:extLst>
+          </p:cNvPr>
+          <p:cNvPicPr>
+            <a:picLocks noChangeAspect="1"/>
+          </p:cNvPicPr>
+          <p:nvPr/>
+        </p:nvPicPr>
+        <p:blipFill>
+          <a:blip r:embed="rId6"/>
+          <a:stretch>
+            <a:fillRect/>
+          </a:stretch>
+        </p:blipFill>
+        <p:spPr>
+          <a:xfrm>
+            <a:off x="6966204" y="1903083"/>
+            <a:ext cx="1625600" cy="1625600"/>
+          </a:xfrm>
+          <a:prstGeom prst="rect">
+            <a:avLst/>
+          </a:prstGeom>
+        </p:spPr>
+      </p:pic>
+      <p:pic>
+        <p:nvPicPr>
+          <p:cNvPr id="9" name="Picture 8">
+            <a:extLst>
+              <a:ext uri="{FF2B5EF4-FFF2-40B4-BE49-F238E27FC236}">
+                <a16:creationId xmlns:a16="http://schemas.microsoft.com/office/drawing/2014/main" id="{3C3B9F91-E7CB-5844-9E8B-87FA9730F2FA}"/>
+              </a:ext>
+            </a:extLst>
+          </p:cNvPr>
+          <p:cNvPicPr>
+            <a:picLocks noChangeAspect="1"/>
+          </p:cNvPicPr>
+          <p:nvPr/>
+        </p:nvPicPr>
+        <p:blipFill>
+          <a:blip r:embed="rId7"/>
+          <a:stretch>
+            <a:fillRect/>
+          </a:stretch>
+        </p:blipFill>
+        <p:spPr>
+          <a:xfrm>
+            <a:off x="2167684" y="1903083"/>
+            <a:ext cx="1625600" cy="1625600"/>
+          </a:xfrm>
+          <a:prstGeom prst="rect">
+            <a:avLst/>
+          </a:prstGeom>
+        </p:spPr>
+      </p:pic>
+      <p:sp>
+        <p:nvSpPr>
+          <p:cNvPr id="2" name="Title 1">
+            <a:extLst>
+              <a:ext uri="{FF2B5EF4-FFF2-40B4-BE49-F238E27FC236}">
+                <a16:creationId xmlns:a16="http://schemas.microsoft.com/office/drawing/2014/main" id="{AA177E60-FE96-2C4C-AE31-CBA686D774B2}"/>
+              </a:ext>
+            </a:extLst>
+          </p:cNvPr>
+          <p:cNvSpPr>
+            <a:spLocks noGrp="1"/>
+          </p:cNvSpPr>
+          <p:nvPr>
+            <p:ph type="title"/>
+          </p:nvPr>
+        </p:nvSpPr>
+        <p:spPr/>
+        <p:txBody>
+          <a:bodyPr/>
+          <a:lstStyle/>
+          <a:p>
+            <a:r>
+              <a:rPr lang="en-US" dirty="0"/>
+              <a:t>Small versions</a:t>
+            </a:r>
+          </a:p>
+        </p:txBody>
+      </p:sp>
+      <p:pic>
+        <p:nvPicPr>
+          <p:cNvPr id="4" name="Picture 3">
+            <a:extLst>
+              <a:ext uri="{FF2B5EF4-FFF2-40B4-BE49-F238E27FC236}">
+                <a16:creationId xmlns:a16="http://schemas.microsoft.com/office/drawing/2014/main" id="{4E6F2645-F15F-DA4B-B008-9DACFCD950DF}"/>
+              </a:ext>
+            </a:extLst>
+          </p:cNvPr>
+          <p:cNvPicPr>
+            <a:picLocks noChangeAspect="1"/>
+          </p:cNvPicPr>
+          <p:nvPr/>
+        </p:nvPicPr>
+        <p:blipFill>
+          <a:blip r:embed="rId8"/>
+          <a:stretch>
+            <a:fillRect/>
+          </a:stretch>
+        </p:blipFill>
+        <p:spPr>
+          <a:xfrm>
+            <a:off x="9365462" y="1903083"/>
+            <a:ext cx="1625600" cy="1625600"/>
+          </a:xfrm>
+          <a:prstGeom prst="rect">
+            <a:avLst/>
+          </a:prstGeom>
+        </p:spPr>
+      </p:pic>
+      <p:pic>
+        <p:nvPicPr>
+          <p:cNvPr id="8" name="Picture 7">
+            <a:extLst>
+              <a:ext uri="{FF2B5EF4-FFF2-40B4-BE49-F238E27FC236}">
+                <a16:creationId xmlns:a16="http://schemas.microsoft.com/office/drawing/2014/main" id="{FDD90911-F0AF-CF45-9FD9-B9BE9A157A7B}"/>
+              </a:ext>
+            </a:extLst>
+          </p:cNvPr>
+          <p:cNvPicPr>
+            <a:picLocks noChangeAspect="1"/>
+          </p:cNvPicPr>
+          <p:nvPr/>
+        </p:nvPicPr>
+        <p:blipFill>
+          <a:blip r:embed="rId9"/>
+          <a:stretch>
+            <a:fillRect/>
+          </a:stretch>
+        </p:blipFill>
+        <p:spPr>
+          <a:xfrm>
+            <a:off x="4566944" y="1903083"/>
+            <a:ext cx="1625600" cy="1625600"/>
+          </a:xfrm>
+          <a:prstGeom prst="rect">
+            <a:avLst/>
+          </a:prstGeom>
+        </p:spPr>
+      </p:pic>
+    </p:spTree>
+    <p:extLst>
+      <p:ext uri="{BB962C8B-B14F-4D97-AF65-F5344CB8AC3E}">
+        <p14:creationId xmlns:p14="http://schemas.microsoft.com/office/powerpoint/2010/main" val="1935609962"/>
+      </p:ext>
+    </p:extLst>
+  </p:cSld>
+  <p:clrMapOvr>
+    <a:masterClrMapping/>
+  </p:clrMapOvr>
+</p:sld>
+</file>
+
 <file path=ppt/slides/slide2.xml><?xml version="1.0" encoding="utf-8"?>
 <p:sld xmlns:a="http://schemas.openxmlformats.org/drawingml/2006/main" xmlns:r="http://schemas.openxmlformats.org/officeDocument/2006/relationships" xmlns:p="http://schemas.openxmlformats.org/presentationml/2006/main">
   <p:cSld>
@@ -4082,19 +4555,46 @@
           <a:chExt cx="0" cy="0"/>
         </a:xfrm>
       </p:grpSpPr>
+      <p:sp>
+        <p:nvSpPr>
+          <p:cNvPr id="2" name="Title 1">
+            <a:extLst>
+              <a:ext uri="{FF2B5EF4-FFF2-40B4-BE49-F238E27FC236}">
+                <a16:creationId xmlns:a16="http://schemas.microsoft.com/office/drawing/2014/main" id="{5EBD6AC4-1D0E-4944-9D2D-7F98413B4A5D}"/>
+              </a:ext>
+            </a:extLst>
+          </p:cNvPr>
+          <p:cNvSpPr>
+            <a:spLocks noGrp="1"/>
+          </p:cNvSpPr>
+          <p:nvPr>
+            <p:ph type="title"/>
+          </p:nvPr>
+        </p:nvSpPr>
+        <p:spPr/>
+        <p:txBody>
+          <a:bodyPr/>
+          <a:lstStyle/>
+          <a:p>
+            <a:endParaRPr lang="en-US"/>
+          </a:p>
+        </p:txBody>
+      </p:sp>
       <p:pic>
         <p:nvPicPr>
-          <p:cNvPr id="11" name="Picture 10">
-            <a:extLst>
-              <a:ext uri="{FF2B5EF4-FFF2-40B4-BE49-F238E27FC236}">
-                <a16:creationId xmlns:a16="http://schemas.microsoft.com/office/drawing/2014/main" id="{572DC91C-FB0B-A243-9683-FEF38BDF9679}"/>
+          <p:cNvPr id="5" name="Content Placeholder 4">
+            <a:extLst>
+              <a:ext uri="{FF2B5EF4-FFF2-40B4-BE49-F238E27FC236}">
+                <a16:creationId xmlns:a16="http://schemas.microsoft.com/office/drawing/2014/main" id="{8D6B4257-B2CA-5A48-A176-3FBCBFEF074F}"/>
               </a:ext>
             </a:extLst>
           </p:cNvPr>
           <p:cNvPicPr>
-            <a:picLocks noChangeAspect="1"/>
+            <a:picLocks noGrp="1" noChangeAspect="1"/>
           </p:cNvPicPr>
-          <p:nvPr/>
+          <p:nvPr>
+            <p:ph idx="1"/>
+          </p:nvPr>
         </p:nvPicPr>
         <p:blipFill>
           <a:blip r:embed="rId2"/>
@@ -4104,195 +4604,15 @@
         </p:blipFill>
         <p:spPr>
           <a:xfrm>
-            <a:off x="9084639" y="1903083"/>
-            <a:ext cx="1625600" cy="1625600"/>
-          </a:xfrm>
-          <a:prstGeom prst="rect">
-            <a:avLst/>
-          </a:prstGeom>
-        </p:spPr>
-      </p:pic>
-      <p:pic>
-        <p:nvPicPr>
-          <p:cNvPr id="5" name="Content Placeholder 4">
-            <a:extLst>
-              <a:ext uri="{FF2B5EF4-FFF2-40B4-BE49-F238E27FC236}">
-                <a16:creationId xmlns:a16="http://schemas.microsoft.com/office/drawing/2014/main" id="{3B307F5A-5B35-1940-BE13-3C3D3D407286}"/>
-              </a:ext>
-            </a:extLst>
-          </p:cNvPr>
-          <p:cNvPicPr>
-            <a:picLocks noGrp="1" noChangeAspect="1"/>
-          </p:cNvPicPr>
-          <p:nvPr>
-            <p:ph idx="1"/>
-          </p:nvPr>
-        </p:nvPicPr>
-        <p:blipFill>
-          <a:blip r:embed="rId3"/>
-          <a:stretch>
-            <a:fillRect/>
-          </a:stretch>
-        </p:blipFill>
-        <p:spPr>
-          <a:xfrm>
-            <a:off x="7461322" y="4241800"/>
-            <a:ext cx="1625600" cy="1625600"/>
+            <a:off x="3920331" y="1825625"/>
+            <a:ext cx="4351338" cy="4351338"/>
           </a:xfrm>
         </p:spPr>
       </p:pic>
-      <p:pic>
-        <p:nvPicPr>
-          <p:cNvPr id="15" name="Picture 14">
-            <a:extLst>
-              <a:ext uri="{FF2B5EF4-FFF2-40B4-BE49-F238E27FC236}">
-                <a16:creationId xmlns:a16="http://schemas.microsoft.com/office/drawing/2014/main" id="{69ED0B2D-1A45-1846-B35D-B10A7E40C418}"/>
-              </a:ext>
-            </a:extLst>
-          </p:cNvPr>
-          <p:cNvPicPr>
-            <a:picLocks noChangeAspect="1"/>
-          </p:cNvPicPr>
-          <p:nvPr/>
-        </p:nvPicPr>
-        <p:blipFill>
-          <a:blip r:embed="rId4"/>
-          <a:stretch>
-            <a:fillRect/>
-          </a:stretch>
-        </p:blipFill>
-        <p:spPr>
-          <a:xfrm>
-            <a:off x="4214688" y="4241800"/>
-            <a:ext cx="1625600" cy="1625600"/>
-          </a:xfrm>
-          <a:prstGeom prst="rect">
-            <a:avLst/>
-          </a:prstGeom>
-        </p:spPr>
-      </p:pic>
-      <p:pic>
-        <p:nvPicPr>
-          <p:cNvPr id="13" name="Picture 12">
-            <a:extLst>
-              <a:ext uri="{FF2B5EF4-FFF2-40B4-BE49-F238E27FC236}">
-                <a16:creationId xmlns:a16="http://schemas.microsoft.com/office/drawing/2014/main" id="{7E869DAC-B3A0-224D-9B93-132930D3458F}"/>
-              </a:ext>
-            </a:extLst>
-          </p:cNvPr>
-          <p:cNvPicPr>
-            <a:picLocks noChangeAspect="1"/>
-          </p:cNvPicPr>
-          <p:nvPr/>
-        </p:nvPicPr>
-        <p:blipFill>
-          <a:blip r:embed="rId5"/>
-          <a:stretch>
-            <a:fillRect/>
-          </a:stretch>
-        </p:blipFill>
-        <p:spPr>
-          <a:xfrm>
-            <a:off x="968054" y="4241800"/>
-            <a:ext cx="1625600" cy="1625600"/>
-          </a:xfrm>
-          <a:prstGeom prst="rect">
-            <a:avLst/>
-          </a:prstGeom>
-        </p:spPr>
-      </p:pic>
-      <p:pic>
-        <p:nvPicPr>
-          <p:cNvPr id="7" name="Picture 6">
-            <a:extLst>
-              <a:ext uri="{FF2B5EF4-FFF2-40B4-BE49-F238E27FC236}">
-                <a16:creationId xmlns:a16="http://schemas.microsoft.com/office/drawing/2014/main" id="{7DFE335B-CBFF-D74B-9B9B-78EC345352F8}"/>
-              </a:ext>
-            </a:extLst>
-          </p:cNvPr>
-          <p:cNvPicPr>
-            <a:picLocks noChangeAspect="1"/>
-          </p:cNvPicPr>
-          <p:nvPr/>
-        </p:nvPicPr>
-        <p:blipFill>
-          <a:blip r:embed="rId6"/>
-          <a:stretch>
-            <a:fillRect/>
-          </a:stretch>
-        </p:blipFill>
-        <p:spPr>
-          <a:xfrm>
-            <a:off x="5838005" y="1903083"/>
-            <a:ext cx="1625600" cy="1625600"/>
-          </a:xfrm>
-          <a:prstGeom prst="rect">
-            <a:avLst/>
-          </a:prstGeom>
-        </p:spPr>
-      </p:pic>
-      <p:pic>
-        <p:nvPicPr>
-          <p:cNvPr id="9" name="Picture 8">
-            <a:extLst>
-              <a:ext uri="{FF2B5EF4-FFF2-40B4-BE49-F238E27FC236}">
-                <a16:creationId xmlns:a16="http://schemas.microsoft.com/office/drawing/2014/main" id="{3C3B9F91-E7CB-5844-9E8B-87FA9730F2FA}"/>
-              </a:ext>
-            </a:extLst>
-          </p:cNvPr>
-          <p:cNvPicPr>
-            <a:picLocks noChangeAspect="1"/>
-          </p:cNvPicPr>
-          <p:nvPr/>
-        </p:nvPicPr>
-        <p:blipFill>
-          <a:blip r:embed="rId7"/>
-          <a:stretch>
-            <a:fillRect/>
-          </a:stretch>
-        </p:blipFill>
-        <p:spPr>
-          <a:xfrm>
-            <a:off x="2591371" y="1903083"/>
-            <a:ext cx="1625600" cy="1625600"/>
-          </a:xfrm>
-          <a:prstGeom prst="rect">
-            <a:avLst/>
-          </a:prstGeom>
-        </p:spPr>
-      </p:pic>
-      <p:sp>
-        <p:nvSpPr>
-          <p:cNvPr id="2" name="Title 1">
-            <a:extLst>
-              <a:ext uri="{FF2B5EF4-FFF2-40B4-BE49-F238E27FC236}">
-                <a16:creationId xmlns:a16="http://schemas.microsoft.com/office/drawing/2014/main" id="{AA177E60-FE96-2C4C-AE31-CBA686D774B2}"/>
-              </a:ext>
-            </a:extLst>
-          </p:cNvPr>
-          <p:cNvSpPr>
-            <a:spLocks noGrp="1"/>
-          </p:cNvSpPr>
-          <p:nvPr>
-            <p:ph type="title"/>
-          </p:nvPr>
-        </p:nvSpPr>
-        <p:spPr/>
-        <p:txBody>
-          <a:bodyPr/>
-          <a:lstStyle/>
-          <a:p>
-            <a:r>
-              <a:rPr lang="en-US" dirty="0"/>
-              <a:t>Small versions</a:t>
-            </a:r>
-          </a:p>
-        </p:txBody>
-      </p:sp>
     </p:spTree>
     <p:extLst>
       <p:ext uri="{BB962C8B-B14F-4D97-AF65-F5344CB8AC3E}">
-        <p14:creationId xmlns:p14="http://schemas.microsoft.com/office/powerpoint/2010/main" val="1935609962"/>
+        <p14:creationId xmlns:p14="http://schemas.microsoft.com/office/powerpoint/2010/main" val="2249325052"/>
       </p:ext>
     </p:extLst>
   </p:cSld>

--- a/icons/NHERI Application Icons.pptx
+++ b/icons/NHERI Application Icons.pptx
@@ -16,7 +16,8 @@
     <p:sldId id="265" r:id="rId10"/>
     <p:sldId id="266" r:id="rId11"/>
     <p:sldId id="267" r:id="rId12"/>
-    <p:sldId id="264" r:id="rId13"/>
+    <p:sldId id="268" r:id="rId13"/>
+    <p:sldId id="264" r:id="rId14"/>
   </p:sldIdLst>
   <p:sldSz cx="12192000" cy="6858000"/>
   <p:notesSz cx="6858000" cy="9144000"/>
@@ -3608,6 +3609,90 @@
           <a:chExt cx="0" cy="0"/>
         </a:xfrm>
       </p:grpSpPr>
+      <p:sp>
+        <p:nvSpPr>
+          <p:cNvPr id="2" name="Title 1">
+            <a:extLst>
+              <a:ext uri="{FF2B5EF4-FFF2-40B4-BE49-F238E27FC236}">
+                <a16:creationId xmlns:a16="http://schemas.microsoft.com/office/drawing/2014/main" id="{0FD4DB59-350F-D54A-9CBC-D5A9A3A5F0F8}"/>
+              </a:ext>
+            </a:extLst>
+          </p:cNvPr>
+          <p:cNvSpPr>
+            <a:spLocks noGrp="1"/>
+          </p:cNvSpPr>
+          <p:nvPr>
+            <p:ph type="title"/>
+          </p:nvPr>
+        </p:nvSpPr>
+        <p:spPr/>
+        <p:txBody>
+          <a:bodyPr/>
+          <a:lstStyle/>
+          <a:p>
+            <a:endParaRPr lang="en-US"/>
+          </a:p>
+        </p:txBody>
+      </p:sp>
+      <p:pic>
+        <p:nvPicPr>
+          <p:cNvPr id="5" name="Content Placeholder 4">
+            <a:extLst>
+              <a:ext uri="{FF2B5EF4-FFF2-40B4-BE49-F238E27FC236}">
+                <a16:creationId xmlns:a16="http://schemas.microsoft.com/office/drawing/2014/main" id="{C8F8B6D2-3A38-1641-A917-CCEAA243CE3D}"/>
+              </a:ext>
+            </a:extLst>
+          </p:cNvPr>
+          <p:cNvPicPr>
+            <a:picLocks noGrp="1" noChangeAspect="1"/>
+          </p:cNvPicPr>
+          <p:nvPr>
+            <p:ph idx="1"/>
+          </p:nvPr>
+        </p:nvPicPr>
+        <p:blipFill>
+          <a:blip r:embed="rId2"/>
+          <a:stretch>
+            <a:fillRect/>
+          </a:stretch>
+        </p:blipFill>
+        <p:spPr>
+          <a:xfrm>
+            <a:off x="3920331" y="1825625"/>
+            <a:ext cx="4351338" cy="4351338"/>
+          </a:xfrm>
+        </p:spPr>
+      </p:pic>
+    </p:spTree>
+    <p:extLst>
+      <p:ext uri="{BB962C8B-B14F-4D97-AF65-F5344CB8AC3E}">
+        <p14:creationId xmlns:p14="http://schemas.microsoft.com/office/powerpoint/2010/main" val="2178503888"/>
+      </p:ext>
+    </p:extLst>
+  </p:cSld>
+  <p:clrMapOvr>
+    <a:masterClrMapping/>
+  </p:clrMapOvr>
+</p:sld>
+</file>
+
+<file path=ppt/slides/slide13.xml><?xml version="1.0" encoding="utf-8"?>
+<p:sld xmlns:a="http://schemas.openxmlformats.org/drawingml/2006/main" xmlns:r="http://schemas.openxmlformats.org/officeDocument/2006/relationships" xmlns:p="http://schemas.openxmlformats.org/presentationml/2006/main">
+  <p:cSld>
+    <p:spTree>
+      <p:nvGrpSpPr>
+        <p:cNvPr id="1" name=""/>
+        <p:cNvGrpSpPr/>
+        <p:nvPr/>
+      </p:nvGrpSpPr>
+      <p:grpSpPr>
+        <a:xfrm>
+          <a:off x="0" y="0"/>
+          <a:ext cx="0" cy="0"/>
+          <a:chOff x="0" y="0"/>
+          <a:chExt cx="0" cy="0"/>
+        </a:xfrm>
+      </p:grpSpPr>
       <p:pic>
         <p:nvPicPr>
           <p:cNvPr id="11" name="Picture 10">
@@ -3630,7 +3715,7 @@
         </p:blipFill>
         <p:spPr>
           <a:xfrm>
-            <a:off x="8165834" y="4241800"/>
+            <a:off x="7847336" y="4241800"/>
             <a:ext cx="1625600" cy="1625600"/>
           </a:xfrm>
           <a:prstGeom prst="rect">
@@ -3662,7 +3747,7 @@
         </p:blipFill>
         <p:spPr>
           <a:xfrm>
-            <a:off x="5766574" y="4241800"/>
+            <a:off x="5554242" y="4241800"/>
             <a:ext cx="1625600" cy="1625600"/>
           </a:xfrm>
         </p:spPr>
@@ -3689,7 +3774,7 @@
         </p:blipFill>
         <p:spPr>
           <a:xfrm>
-            <a:off x="3367314" y="4241800"/>
+            <a:off x="3261148" y="4241800"/>
             <a:ext cx="1625600" cy="1625600"/>
           </a:xfrm>
           <a:prstGeom prst="rect">
@@ -3749,7 +3834,7 @@
         </p:blipFill>
         <p:spPr>
           <a:xfrm>
-            <a:off x="6966204" y="1903083"/>
+            <a:off x="6700789" y="1903083"/>
             <a:ext cx="1625600" cy="1625600"/>
           </a:xfrm>
           <a:prstGeom prst="rect">
@@ -3779,7 +3864,7 @@
         </p:blipFill>
         <p:spPr>
           <a:xfrm>
-            <a:off x="2167684" y="1903083"/>
+            <a:off x="2114601" y="1903083"/>
             <a:ext cx="1625600" cy="1625600"/>
           </a:xfrm>
           <a:prstGeom prst="rect">
@@ -3837,7 +3922,7 @@
         </p:blipFill>
         <p:spPr>
           <a:xfrm>
-            <a:off x="9365462" y="1903083"/>
+            <a:off x="8993883" y="1903083"/>
             <a:ext cx="1625600" cy="1625600"/>
           </a:xfrm>
           <a:prstGeom prst="rect">
@@ -3867,7 +3952,37 @@
         </p:blipFill>
         <p:spPr>
           <a:xfrm>
-            <a:off x="4566944" y="1903083"/>
+            <a:off x="4407695" y="1903083"/>
+            <a:ext cx="1625600" cy="1625600"/>
+          </a:xfrm>
+          <a:prstGeom prst="rect">
+            <a:avLst/>
+          </a:prstGeom>
+        </p:spPr>
+      </p:pic>
+      <p:pic>
+        <p:nvPicPr>
+          <p:cNvPr id="10" name="Picture 9">
+            <a:extLst>
+              <a:ext uri="{FF2B5EF4-FFF2-40B4-BE49-F238E27FC236}">
+                <a16:creationId xmlns:a16="http://schemas.microsoft.com/office/drawing/2014/main" id="{6E7D3142-5479-1343-866F-DF96E130193F}"/>
+              </a:ext>
+            </a:extLst>
+          </p:cNvPr>
+          <p:cNvPicPr>
+            <a:picLocks noChangeAspect="1"/>
+          </p:cNvPicPr>
+          <p:nvPr/>
+        </p:nvPicPr>
+        <p:blipFill>
+          <a:blip r:embed="rId10"/>
+          <a:stretch>
+            <a:fillRect/>
+          </a:stretch>
+        </p:blipFill>
+        <p:spPr>
+          <a:xfrm>
+            <a:off x="10140430" y="4241800"/>
             <a:ext cx="1625600" cy="1625600"/>
           </a:xfrm>
           <a:prstGeom prst="rect">
